--- a/test/pptx/speaker_notes_afterseps.pptx
+++ b/test/pptx/speaker_notes_afterseps.pptx
@@ -210,7 +210,7 @@
           <a:p>
             <a:fld id="{0F9C1CCF-B725-44A7-AA57-5E433BD85C9F}" type="datetimeFigureOut">
               <a:rPr lang="en-US" smtClean="0"/>
-              <a:t>2/17/2018</a:t>
+              <a:t>4/5/2019</a:t>
             </a:fld>
             <a:endParaRPr lang="en-US"/>
           </a:p>
@@ -1007,7 +1007,7 @@
           <a:p>
             <a:fld id="{241EB5C9-1307-BA42-ABA2-0BC069CD8E7F}" type="datetimeFigureOut">
               <a:rPr lang="en-US" smtClean="0"/>
-              <a:t>2/17/2018</a:t>
+              <a:t>4/5/2019</a:t>
             </a:fld>
             <a:endParaRPr lang="en-US"/>
           </a:p>
@@ -1177,7 +1177,7 @@
           <a:p>
             <a:fld id="{241EB5C9-1307-BA42-ABA2-0BC069CD8E7F}" type="datetimeFigureOut">
               <a:rPr lang="en-US" smtClean="0"/>
-              <a:t>2/17/2018</a:t>
+              <a:t>4/5/2019</a:t>
             </a:fld>
             <a:endParaRPr lang="en-US"/>
           </a:p>
@@ -1357,7 +1357,7 @@
           <a:p>
             <a:fld id="{241EB5C9-1307-BA42-ABA2-0BC069CD8E7F}" type="datetimeFigureOut">
               <a:rPr lang="en-US" smtClean="0"/>
-              <a:t>2/17/2018</a:t>
+              <a:t>4/5/2019</a:t>
             </a:fld>
             <a:endParaRPr lang="en-US"/>
           </a:p>
@@ -1527,7 +1527,7 @@
           <a:p>
             <a:fld id="{241EB5C9-1307-BA42-ABA2-0BC069CD8E7F}" type="datetimeFigureOut">
               <a:rPr lang="en-US" smtClean="0"/>
-              <a:t>2/17/2018</a:t>
+              <a:t>4/5/2019</a:t>
             </a:fld>
             <a:endParaRPr lang="en-US"/>
           </a:p>
@@ -1773,7 +1773,7 @@
           <a:p>
             <a:fld id="{241EB5C9-1307-BA42-ABA2-0BC069CD8E7F}" type="datetimeFigureOut">
               <a:rPr lang="en-US" smtClean="0"/>
-              <a:t>2/17/2018</a:t>
+              <a:t>4/5/2019</a:t>
             </a:fld>
             <a:endParaRPr lang="en-US"/>
           </a:p>
@@ -2061,7 +2061,7 @@
           <a:p>
             <a:fld id="{241EB5C9-1307-BA42-ABA2-0BC069CD8E7F}" type="datetimeFigureOut">
               <a:rPr lang="en-US" smtClean="0"/>
-              <a:t>2/17/2018</a:t>
+              <a:t>4/5/2019</a:t>
             </a:fld>
             <a:endParaRPr lang="en-US"/>
           </a:p>
@@ -2483,7 +2483,7 @@
           <a:p>
             <a:fld id="{241EB5C9-1307-BA42-ABA2-0BC069CD8E7F}" type="datetimeFigureOut">
               <a:rPr lang="en-US" smtClean="0"/>
-              <a:t>2/17/2018</a:t>
+              <a:t>4/5/2019</a:t>
             </a:fld>
             <a:endParaRPr lang="en-US"/>
           </a:p>
@@ -2601,7 +2601,7 @@
           <a:p>
             <a:fld id="{241EB5C9-1307-BA42-ABA2-0BC069CD8E7F}" type="datetimeFigureOut">
               <a:rPr lang="en-US" smtClean="0"/>
-              <a:t>2/17/2018</a:t>
+              <a:t>4/5/2019</a:t>
             </a:fld>
             <a:endParaRPr lang="en-US"/>
           </a:p>
@@ -2696,7 +2696,7 @@
           <a:p>
             <a:fld id="{241EB5C9-1307-BA42-ABA2-0BC069CD8E7F}" type="datetimeFigureOut">
               <a:rPr lang="en-US" smtClean="0"/>
-              <a:t>2/17/2018</a:t>
+              <a:t>4/5/2019</a:t>
             </a:fld>
             <a:endParaRPr lang="en-US"/>
           </a:p>
@@ -2973,7 +2973,7 @@
           <a:p>
             <a:fld id="{241EB5C9-1307-BA42-ABA2-0BC069CD8E7F}" type="datetimeFigureOut">
               <a:rPr lang="en-US" smtClean="0"/>
-              <a:t>2/17/2018</a:t>
+              <a:t>4/5/2019</a:t>
             </a:fld>
             <a:endParaRPr lang="en-US"/>
           </a:p>
@@ -3226,7 +3226,7 @@
           <a:p>
             <a:fld id="{241EB5C9-1307-BA42-ABA2-0BC069CD8E7F}" type="datetimeFigureOut">
               <a:rPr lang="en-US" smtClean="0"/>
-              <a:t>2/17/2018</a:t>
+              <a:t>4/5/2019</a:t>
             </a:fld>
             <a:endParaRPr lang="en-US"/>
           </a:p>
@@ -3439,7 +3439,7 @@
           <a:p>
             <a:fld id="{241EB5C9-1307-BA42-ABA2-0BC069CD8E7F}" type="datetimeFigureOut">
               <a:rPr lang="en-US" smtClean="0"/>
-              <a:t>2/17/2018</a:t>
+              <a:t>4/5/2019</a:t>
             </a:fld>
             <a:endParaRPr lang="en-US"/>
           </a:p>

--- a/test/pptx/speaker_notes_afterseps.pptx
+++ b/test/pptx/speaker_notes_afterseps.pptx
@@ -1,6 +1,6 @@
 
 <file path=ppt/presentation.xml><?xml version="1.0" encoding="utf-8"?>
-<p:presentation xmlns:a="http://schemas.openxmlformats.org/drawingml/2006/main" xmlns:r="http://schemas.openxmlformats.org/officeDocument/2006/relationships" xmlns:p="http://schemas.openxmlformats.org/presentationml/2006/main" saveSubsetFonts="1" autoCompressPictures="0">
+<p:presentation xmlns:a="http://schemas.openxmlformats.org/drawingml/2006/main" xmlns:p="http://schemas.openxmlformats.org/presentationml/2006/main" xmlns:r="http://schemas.openxmlformats.org/officeDocument/2006/relationships" autoCompressPictures="0" saveSubsetFonts="1">
   <p:sldMasterIdLst>
     <p:sldMasterId id="2147483648" r:id="rId1"/>
   </p:sldMasterIdLst>
@@ -18,8 +18,8 @@
     <a:defPPr>
       <a:defRPr lang="en-US"/>
     </a:defPPr>
-    <a:lvl1pPr marL="0" algn="l" defTabSz="457200" rtl="0" eaLnBrk="1" latinLnBrk="0" hangingPunct="1">
-      <a:defRPr sz="1800" kern="1200">
+    <a:lvl1pPr algn="l" defTabSz="457200" eaLnBrk="1" hangingPunct="1" latinLnBrk="0" marL="0" rtl="0">
+      <a:defRPr kern="1200" sz="1800">
         <a:solidFill>
           <a:schemeClr val="tx1"/>
         </a:solidFill>
@@ -28,8 +28,8 @@
         <a:cs typeface="+mn-cs"/>
       </a:defRPr>
     </a:lvl1pPr>
-    <a:lvl2pPr marL="457200" algn="l" defTabSz="457200" rtl="0" eaLnBrk="1" latinLnBrk="0" hangingPunct="1">
-      <a:defRPr sz="1800" kern="1200">
+    <a:lvl2pPr algn="l" defTabSz="457200" eaLnBrk="1" hangingPunct="1" latinLnBrk="0" marL="457200" rtl="0">
+      <a:defRPr kern="1200" sz="1800">
         <a:solidFill>
           <a:schemeClr val="tx1"/>
         </a:solidFill>
@@ -38,8 +38,8 @@
         <a:cs typeface="+mn-cs"/>
       </a:defRPr>
     </a:lvl2pPr>
-    <a:lvl3pPr marL="914400" algn="l" defTabSz="457200" rtl="0" eaLnBrk="1" latinLnBrk="0" hangingPunct="1">
-      <a:defRPr sz="1800" kern="1200">
+    <a:lvl3pPr algn="l" defTabSz="457200" eaLnBrk="1" hangingPunct="1" latinLnBrk="0" marL="914400" rtl="0">
+      <a:defRPr kern="1200" sz="1800">
         <a:solidFill>
           <a:schemeClr val="tx1"/>
         </a:solidFill>
@@ -48,8 +48,8 @@
         <a:cs typeface="+mn-cs"/>
       </a:defRPr>
     </a:lvl3pPr>
-    <a:lvl4pPr marL="1371600" algn="l" defTabSz="457200" rtl="0" eaLnBrk="1" latinLnBrk="0" hangingPunct="1">
-      <a:defRPr sz="1800" kern="1200">
+    <a:lvl4pPr algn="l" defTabSz="457200" eaLnBrk="1" hangingPunct="1" latinLnBrk="0" marL="1371600" rtl="0">
+      <a:defRPr kern="1200" sz="1800">
         <a:solidFill>
           <a:schemeClr val="tx1"/>
         </a:solidFill>
@@ -58,8 +58,8 @@
         <a:cs typeface="+mn-cs"/>
       </a:defRPr>
     </a:lvl4pPr>
-    <a:lvl5pPr marL="1828800" algn="l" defTabSz="457200" rtl="0" eaLnBrk="1" latinLnBrk="0" hangingPunct="1">
-      <a:defRPr sz="1800" kern="1200">
+    <a:lvl5pPr algn="l" defTabSz="457200" eaLnBrk="1" hangingPunct="1" latinLnBrk="0" marL="1828800" rtl="0">
+      <a:defRPr kern="1200" sz="1800">
         <a:solidFill>
           <a:schemeClr val="tx1"/>
         </a:solidFill>
@@ -68,8 +68,8 @@
         <a:cs typeface="+mn-cs"/>
       </a:defRPr>
     </a:lvl5pPr>
-    <a:lvl6pPr marL="2286000" algn="l" defTabSz="457200" rtl="0" eaLnBrk="1" latinLnBrk="0" hangingPunct="1">
-      <a:defRPr sz="1800" kern="1200">
+    <a:lvl6pPr algn="l" defTabSz="457200" eaLnBrk="1" hangingPunct="1" latinLnBrk="0" marL="2286000" rtl="0">
+      <a:defRPr kern="1200" sz="1800">
         <a:solidFill>
           <a:schemeClr val="tx1"/>
         </a:solidFill>
@@ -78,8 +78,8 @@
         <a:cs typeface="+mn-cs"/>
       </a:defRPr>
     </a:lvl6pPr>
-    <a:lvl7pPr marL="2743200" algn="l" defTabSz="457200" rtl="0" eaLnBrk="1" latinLnBrk="0" hangingPunct="1">
-      <a:defRPr sz="1800" kern="1200">
+    <a:lvl7pPr algn="l" defTabSz="457200" eaLnBrk="1" hangingPunct="1" latinLnBrk="0" marL="2743200" rtl="0">
+      <a:defRPr kern="1200" sz="1800">
         <a:solidFill>
           <a:schemeClr val="tx1"/>
         </a:solidFill>
@@ -88,8 +88,8 @@
         <a:cs typeface="+mn-cs"/>
       </a:defRPr>
     </a:lvl7pPr>
-    <a:lvl8pPr marL="3200400" algn="l" defTabSz="457200" rtl="0" eaLnBrk="1" latinLnBrk="0" hangingPunct="1">
-      <a:defRPr sz="1800" kern="1200">
+    <a:lvl8pPr algn="l" defTabSz="457200" eaLnBrk="1" hangingPunct="1" latinLnBrk="0" marL="3200400" rtl="0">
+      <a:defRPr kern="1200" sz="1800">
         <a:solidFill>
           <a:schemeClr val="tx1"/>
         </a:solidFill>
@@ -98,8 +98,8 @@
         <a:cs typeface="+mn-cs"/>
       </a:defRPr>
     </a:lvl8pPr>
-    <a:lvl9pPr marL="3657600" algn="l" defTabSz="457200" rtl="0" eaLnBrk="1" latinLnBrk="0" hangingPunct="1">
-      <a:defRPr sz="1800" kern="1200">
+    <a:lvl9pPr algn="l" defTabSz="457200" eaLnBrk="1" hangingPunct="1" latinLnBrk="0" marL="3657600" rtl="0">
+      <a:defRPr kern="1200" sz="1800">
         <a:solidFill>
           <a:schemeClr val="tx1"/>
         </a:solidFill>
@@ -4293,7 +4293,7 @@
             <a:spLocks noGrp="1"/>
           </p:cNvSpPr>
           <p:nvPr>
-            <p:ph sz="half" idx="1"/>
+            <p:ph idx="1" sz="half"/>
           </p:nvPr>
         </p:nvSpPr>
         <p:spPr/>
@@ -4323,7 +4323,7 @@
             <a:spLocks noGrp="1"/>
           </p:cNvSpPr>
           <p:nvPr>
-            <p:ph sz="half" idx="2"/>
+            <p:ph idx="2" sz="half"/>
           </p:nvPr>
         </p:nvSpPr>
         <p:spPr/>

--- a/test/pptx/speaker_notes_afterseps.pptx
+++ b/test/pptx/speaker_notes_afterseps.pptx
@@ -3816,7 +3816,7 @@
       </p:grpSpPr>
       <p:pic>
         <p:nvPicPr>
-          <p:cNvPr descr="lalune.jpg" id="0" name="Picture 1"/>
+          <p:cNvPr descr="f9d88c3dbe18f6a7f5670e994a947d51216cdf0e.jpg" id="0" name="Picture 1"/>
           <p:cNvPicPr>
             <a:picLocks noGrp="1" noChangeAspect="1"/>
           </p:cNvPicPr>

--- a/test/pptx/speaker_notes_afterseps.pptx
+++ b/test/pptx/speaker_notes_afterseps.pptx
@@ -3288,7 +3288,7 @@
 </file>
 
 <file path=ppt/slideMasters/slideMaster1.xml><?xml version="1.0" encoding="utf-8"?>
-<p:sldMaster xmlns:a="http://schemas.openxmlformats.org/drawingml/2006/main" xmlns:r="http://schemas.openxmlformats.org/officeDocument/2006/relationships" xmlns:p="http://schemas.openxmlformats.org/presentationml/2006/main">
+<p:sldMaster xmlns:a="http://schemas.openxmlformats.org/drawingml/2006/main" xmlns:p="http://schemas.openxmlformats.org/presentationml/2006/main" xmlns:r="http://schemas.openxmlformats.org/officeDocument/2006/relationships">
   <p:cSld>
     <p:bg>
       <p:bgRef idx="1001">
@@ -3329,7 +3329,7 @@
           </a:prstGeom>
         </p:spPr>
         <p:txBody>
-          <a:bodyPr vert="horz" lIns="91440" tIns="45720" rIns="91440" bIns="45720" rtlCol="0" anchor="ctr">
+          <a:bodyPr anchor="ctr" bIns="45720" lIns="91440" rIns="91440" rtlCol="0" tIns="45720" vert="horz">
             <a:normAutofit/>
           </a:bodyPr>
           <a:lstStyle/>
@@ -3349,7 +3349,7 @@
             <a:spLocks noGrp="1"/>
           </p:cNvSpPr>
           <p:nvPr>
-            <p:ph type="body" idx="1"/>
+            <p:ph idx="1" type="body"/>
           </p:nvPr>
         </p:nvSpPr>
         <p:spPr>
@@ -3362,7 +3362,7 @@
           </a:prstGeom>
         </p:spPr>
         <p:txBody>
-          <a:bodyPr vert="horz" lIns="91440" tIns="45720" rIns="91440" bIns="45720" rtlCol="0">
+          <a:bodyPr bIns="45720" lIns="91440" rIns="91440" rtlCol="0" tIns="45720" vert="horz">
             <a:normAutofit/>
           </a:bodyPr>
           <a:lstStyle/>
@@ -3411,7 +3411,7 @@
             <a:spLocks noGrp="1"/>
           </p:cNvSpPr>
           <p:nvPr>
-            <p:ph type="dt" sz="half" idx="2"/>
+            <p:ph idx="2" sz="half" type="dt"/>
           </p:nvPr>
         </p:nvSpPr>
         <p:spPr>
@@ -3424,7 +3424,7 @@
           </a:prstGeom>
         </p:spPr>
         <p:txBody>
-          <a:bodyPr vert="horz" lIns="91440" tIns="45720" rIns="91440" bIns="45720" rtlCol="0" anchor="ctr"/>
+          <a:bodyPr anchor="ctr" bIns="45720" lIns="91440" rIns="91440" rtlCol="0" tIns="45720" vert="horz"/>
           <a:lstStyle>
             <a:lvl1pPr algn="l">
               <a:defRPr sz="1200">
@@ -3452,7 +3452,7 @@
             <a:spLocks noGrp="1"/>
           </p:cNvSpPr>
           <p:nvPr>
-            <p:ph type="ftr" sz="quarter" idx="3"/>
+            <p:ph idx="3" sz="quarter" type="ftr"/>
           </p:nvPr>
         </p:nvSpPr>
         <p:spPr>
@@ -3465,7 +3465,7 @@
           </a:prstGeom>
         </p:spPr>
         <p:txBody>
-          <a:bodyPr vert="horz" lIns="91440" tIns="45720" rIns="91440" bIns="45720" rtlCol="0" anchor="ctr"/>
+          <a:bodyPr anchor="ctr" bIns="45720" lIns="91440" rIns="91440" rtlCol="0" tIns="45720" vert="horz"/>
           <a:lstStyle>
             <a:lvl1pPr algn="ctr">
               <a:defRPr sz="1200">
@@ -3489,7 +3489,7 @@
             <a:spLocks noGrp="1"/>
           </p:cNvSpPr>
           <p:nvPr>
-            <p:ph type="sldNum" sz="quarter" idx="4"/>
+            <p:ph idx="4" sz="quarter" type="sldNum"/>
           </p:nvPr>
         </p:nvSpPr>
         <p:spPr>
@@ -3502,7 +3502,7 @@
           </a:prstGeom>
         </p:spPr>
         <p:txBody>
-          <a:bodyPr vert="horz" lIns="91440" tIns="45720" rIns="91440" bIns="45720" rtlCol="0" anchor="ctr"/>
+          <a:bodyPr anchor="ctr" bIns="45720" lIns="91440" rIns="91440" rtlCol="0" tIns="45720" vert="horz"/>
           <a:lstStyle>
             <a:lvl1pPr algn="r">
               <a:defRPr sz="1200">
@@ -3530,7 +3530,7 @@
       </p:ext>
     </p:extLst>
   </p:cSld>
-  <p:clrMap bg1="lt1" tx1="dk1" bg2="lt2" tx2="dk2" accent1="accent1" accent2="accent2" accent3="accent3" accent4="accent4" accent5="accent5" accent6="accent6" hlink="hlink" folHlink="folHlink"/>
+  <p:clrMap accent1="accent1" accent2="accent2" accent3="accent3" accent4="accent4" accent5="accent5" accent6="accent6" bg1="lt1" bg2="lt2" folHlink="folHlink" hlink="hlink" tx1="dk1" tx2="dk2"/>
   <p:sldLayoutIdLst>
     <p:sldLayoutId id="2147483649" r:id="rId1"/>
     <p:sldLayoutId id="2147483650" r:id="rId2"/>
@@ -3546,12 +3546,12 @@
   </p:sldLayoutIdLst>
   <p:txStyles>
     <p:titleStyle>
-      <a:lvl1pPr algn="ctr" defTabSz="457200" rtl="0" eaLnBrk="1" latinLnBrk="0" hangingPunct="1">
+      <a:lvl1pPr algn="ctr" defTabSz="457200" eaLnBrk="1" hangingPunct="1" latinLnBrk="0" rtl="0">
         <a:spcBef>
           <a:spcPct val="0"/>
         </a:spcBef>
         <a:buNone/>
-        <a:defRPr sz="4400" kern="1200">
+        <a:defRPr kern="1200" sz="4400">
           <a:solidFill>
             <a:schemeClr val="tx1"/>
           </a:solidFill>
@@ -3562,13 +3562,13 @@
       </a:lvl1pPr>
     </p:titleStyle>
     <p:bodyStyle>
-      <a:lvl1pPr marL="342900" indent="-342900" algn="l" defTabSz="457200" rtl="0" eaLnBrk="1" latinLnBrk="0" hangingPunct="1">
+      <a:lvl1pPr algn="l" defTabSz="457200" eaLnBrk="1" hangingPunct="1" indent="-342900" latinLnBrk="0" marL="342900" rtl="0">
         <a:spcBef>
           <a:spcPct val="20000"/>
         </a:spcBef>
         <a:buFont typeface="Arial"/>
         <a:buChar char="•"/>
-        <a:defRPr sz="3200" kern="1200">
+        <a:defRPr kern="1200" sz="3200">
           <a:solidFill>
             <a:schemeClr val="tx1"/>
           </a:solidFill>
@@ -3577,13 +3577,13 @@
           <a:cs typeface="+mn-cs"/>
         </a:defRPr>
       </a:lvl1pPr>
-      <a:lvl2pPr marL="742950" indent="-285750" algn="l" defTabSz="457200" rtl="0" eaLnBrk="1" latinLnBrk="0" hangingPunct="1">
+      <a:lvl2pPr algn="l" defTabSz="457200" eaLnBrk="1" hangingPunct="1" indent="-285750" latinLnBrk="0" marL="742950" rtl="0">
         <a:spcBef>
           <a:spcPct val="20000"/>
         </a:spcBef>
         <a:buFont typeface="Arial"/>
         <a:buChar char="–"/>
-        <a:defRPr sz="2800" kern="1200">
+        <a:defRPr kern="1200" sz="2800">
           <a:solidFill>
             <a:schemeClr val="tx1"/>
           </a:solidFill>
@@ -3592,13 +3592,13 @@
           <a:cs typeface="+mn-cs"/>
         </a:defRPr>
       </a:lvl2pPr>
-      <a:lvl3pPr marL="1143000" indent="-228600" algn="l" defTabSz="457200" rtl="0" eaLnBrk="1" latinLnBrk="0" hangingPunct="1">
+      <a:lvl3pPr algn="l" defTabSz="457200" eaLnBrk="1" hangingPunct="1" indent="-228600" latinLnBrk="0" marL="1143000" rtl="0">
         <a:spcBef>
           <a:spcPct val="20000"/>
         </a:spcBef>
         <a:buFont typeface="Arial"/>
         <a:buChar char="•"/>
-        <a:defRPr sz="2400" kern="1200">
+        <a:defRPr kern="1200" sz="2400">
           <a:solidFill>
             <a:schemeClr val="tx1"/>
           </a:solidFill>
@@ -3607,13 +3607,13 @@
           <a:cs typeface="+mn-cs"/>
         </a:defRPr>
       </a:lvl3pPr>
-      <a:lvl4pPr marL="1600200" indent="-228600" algn="l" defTabSz="457200" rtl="0" eaLnBrk="1" latinLnBrk="0" hangingPunct="1">
+      <a:lvl4pPr algn="l" defTabSz="457200" eaLnBrk="1" hangingPunct="1" indent="-228600" latinLnBrk="0" marL="1600200" rtl="0">
         <a:spcBef>
           <a:spcPct val="20000"/>
         </a:spcBef>
         <a:buFont typeface="Arial"/>
         <a:buChar char="–"/>
-        <a:defRPr sz="2000" kern="1200">
+        <a:defRPr kern="1200" sz="2000">
           <a:solidFill>
             <a:schemeClr val="tx1"/>
           </a:solidFill>
@@ -3622,13 +3622,13 @@
           <a:cs typeface="+mn-cs"/>
         </a:defRPr>
       </a:lvl4pPr>
-      <a:lvl5pPr marL="2057400" indent="-228600" algn="l" defTabSz="457200" rtl="0" eaLnBrk="1" latinLnBrk="0" hangingPunct="1">
+      <a:lvl5pPr algn="l" defTabSz="457200" eaLnBrk="1" hangingPunct="1" indent="-228600" latinLnBrk="0" marL="2057400" rtl="0">
         <a:spcBef>
           <a:spcPct val="20000"/>
         </a:spcBef>
         <a:buFont typeface="Arial"/>
         <a:buChar char="»"/>
-        <a:defRPr sz="2000" kern="1200">
+        <a:defRPr kern="1200" sz="2000">
           <a:solidFill>
             <a:schemeClr val="tx1"/>
           </a:solidFill>
@@ -3637,13 +3637,13 @@
           <a:cs typeface="+mn-cs"/>
         </a:defRPr>
       </a:lvl5pPr>
-      <a:lvl6pPr marL="2514600" indent="-228600" algn="l" defTabSz="457200" rtl="0" eaLnBrk="1" latinLnBrk="0" hangingPunct="1">
+      <a:lvl6pPr algn="l" defTabSz="457200" eaLnBrk="1" hangingPunct="1" indent="-228600" latinLnBrk="0" marL="2514600" rtl="0">
         <a:spcBef>
           <a:spcPct val="20000"/>
         </a:spcBef>
         <a:buFont typeface="Arial"/>
         <a:buChar char="•"/>
-        <a:defRPr sz="2000" kern="1200">
+        <a:defRPr kern="1200" sz="2000">
           <a:solidFill>
             <a:schemeClr val="tx1"/>
           </a:solidFill>
@@ -3652,13 +3652,13 @@
           <a:cs typeface="+mn-cs"/>
         </a:defRPr>
       </a:lvl6pPr>
-      <a:lvl7pPr marL="2971800" indent="-228600" algn="l" defTabSz="457200" rtl="0" eaLnBrk="1" latinLnBrk="0" hangingPunct="1">
+      <a:lvl7pPr algn="l" defTabSz="457200" eaLnBrk="1" hangingPunct="1" indent="-228600" latinLnBrk="0" marL="2971800" rtl="0">
         <a:spcBef>
           <a:spcPct val="20000"/>
         </a:spcBef>
         <a:buFont typeface="Arial"/>
         <a:buChar char="•"/>
-        <a:defRPr sz="2000" kern="1200">
+        <a:defRPr kern="1200" sz="2000">
           <a:solidFill>
             <a:schemeClr val="tx1"/>
           </a:solidFill>
@@ -3667,13 +3667,13 @@
           <a:cs typeface="+mn-cs"/>
         </a:defRPr>
       </a:lvl7pPr>
-      <a:lvl8pPr marL="3429000" indent="-228600" algn="l" defTabSz="457200" rtl="0" eaLnBrk="1" latinLnBrk="0" hangingPunct="1">
+      <a:lvl8pPr algn="l" defTabSz="457200" eaLnBrk="1" hangingPunct="1" indent="-228600" latinLnBrk="0" marL="3429000" rtl="0">
         <a:spcBef>
           <a:spcPct val="20000"/>
         </a:spcBef>
         <a:buFont typeface="Arial"/>
         <a:buChar char="•"/>
-        <a:defRPr sz="2000" kern="1200">
+        <a:defRPr kern="1200" sz="2000">
           <a:solidFill>
             <a:schemeClr val="tx1"/>
           </a:solidFill>
@@ -3682,13 +3682,13 @@
           <a:cs typeface="+mn-cs"/>
         </a:defRPr>
       </a:lvl8pPr>
-      <a:lvl9pPr marL="3886200" indent="-228600" algn="l" defTabSz="457200" rtl="0" eaLnBrk="1" latinLnBrk="0" hangingPunct="1">
+      <a:lvl9pPr algn="l" defTabSz="457200" eaLnBrk="1" hangingPunct="1" indent="-228600" latinLnBrk="0" marL="3886200" rtl="0">
         <a:spcBef>
           <a:spcPct val="20000"/>
         </a:spcBef>
         <a:buFont typeface="Arial"/>
         <a:buChar char="•"/>
-        <a:defRPr sz="2000" kern="1200">
+        <a:defRPr kern="1200" sz="2000">
           <a:solidFill>
             <a:schemeClr val="tx1"/>
           </a:solidFill>
@@ -3702,8 +3702,8 @@
       <a:defPPr>
         <a:defRPr lang="en-US"/>
       </a:defPPr>
-      <a:lvl1pPr marL="0" algn="l" defTabSz="457200" rtl="0" eaLnBrk="1" latinLnBrk="0" hangingPunct="1">
-        <a:defRPr sz="1800" kern="1200">
+      <a:lvl1pPr algn="l" defTabSz="457200" eaLnBrk="1" hangingPunct="1" latinLnBrk="0" marL="0" rtl="0">
+        <a:defRPr kern="1200" sz="1800">
           <a:solidFill>
             <a:schemeClr val="tx1"/>
           </a:solidFill>
@@ -3712,8 +3712,8 @@
           <a:cs typeface="+mn-cs"/>
         </a:defRPr>
       </a:lvl1pPr>
-      <a:lvl2pPr marL="457200" algn="l" defTabSz="457200" rtl="0" eaLnBrk="1" latinLnBrk="0" hangingPunct="1">
-        <a:defRPr sz="1800" kern="1200">
+      <a:lvl2pPr algn="l" defTabSz="457200" eaLnBrk="1" hangingPunct="1" latinLnBrk="0" marL="457200" rtl="0">
+        <a:defRPr kern="1200" sz="1800">
           <a:solidFill>
             <a:schemeClr val="tx1"/>
           </a:solidFill>
@@ -3722,8 +3722,8 @@
           <a:cs typeface="+mn-cs"/>
         </a:defRPr>
       </a:lvl2pPr>
-      <a:lvl3pPr marL="914400" algn="l" defTabSz="457200" rtl="0" eaLnBrk="1" latinLnBrk="0" hangingPunct="1">
-        <a:defRPr sz="1800" kern="1200">
+      <a:lvl3pPr algn="l" defTabSz="457200" eaLnBrk="1" hangingPunct="1" latinLnBrk="0" marL="914400" rtl="0">
+        <a:defRPr kern="1200" sz="1800">
           <a:solidFill>
             <a:schemeClr val="tx1"/>
           </a:solidFill>
@@ -3732,8 +3732,8 @@
           <a:cs typeface="+mn-cs"/>
         </a:defRPr>
       </a:lvl3pPr>
-      <a:lvl4pPr marL="1371600" algn="l" defTabSz="457200" rtl="0" eaLnBrk="1" latinLnBrk="0" hangingPunct="1">
-        <a:defRPr sz="1800" kern="1200">
+      <a:lvl4pPr algn="l" defTabSz="457200" eaLnBrk="1" hangingPunct="1" latinLnBrk="0" marL="1371600" rtl="0">
+        <a:defRPr kern="1200" sz="1800">
           <a:solidFill>
             <a:schemeClr val="tx1"/>
           </a:solidFill>
@@ -3742,8 +3742,8 @@
           <a:cs typeface="+mn-cs"/>
         </a:defRPr>
       </a:lvl4pPr>
-      <a:lvl5pPr marL="1828800" algn="l" defTabSz="457200" rtl="0" eaLnBrk="1" latinLnBrk="0" hangingPunct="1">
-        <a:defRPr sz="1800" kern="1200">
+      <a:lvl5pPr algn="l" defTabSz="457200" eaLnBrk="1" hangingPunct="1" latinLnBrk="0" marL="1828800" rtl="0">
+        <a:defRPr kern="1200" sz="1800">
           <a:solidFill>
             <a:schemeClr val="tx1"/>
           </a:solidFill>
@@ -3752,8 +3752,8 @@
           <a:cs typeface="+mn-cs"/>
         </a:defRPr>
       </a:lvl5pPr>
-      <a:lvl6pPr marL="2286000" algn="l" defTabSz="457200" rtl="0" eaLnBrk="1" latinLnBrk="0" hangingPunct="1">
-        <a:defRPr sz="1800" kern="1200">
+      <a:lvl6pPr algn="l" defTabSz="457200" eaLnBrk="1" hangingPunct="1" latinLnBrk="0" marL="2286000" rtl="0">
+        <a:defRPr kern="1200" sz="1800">
           <a:solidFill>
             <a:schemeClr val="tx1"/>
           </a:solidFill>
@@ -3762,8 +3762,8 @@
           <a:cs typeface="+mn-cs"/>
         </a:defRPr>
       </a:lvl6pPr>
-      <a:lvl7pPr marL="2743200" algn="l" defTabSz="457200" rtl="0" eaLnBrk="1" latinLnBrk="0" hangingPunct="1">
-        <a:defRPr sz="1800" kern="1200">
+      <a:lvl7pPr algn="l" defTabSz="457200" eaLnBrk="1" hangingPunct="1" latinLnBrk="0" marL="2743200" rtl="0">
+        <a:defRPr kern="1200" sz="1800">
           <a:solidFill>
             <a:schemeClr val="tx1"/>
           </a:solidFill>
@@ -3772,8 +3772,8 @@
           <a:cs typeface="+mn-cs"/>
         </a:defRPr>
       </a:lvl7pPr>
-      <a:lvl8pPr marL="3200400" algn="l" defTabSz="457200" rtl="0" eaLnBrk="1" latinLnBrk="0" hangingPunct="1">
-        <a:defRPr sz="1800" kern="1200">
+      <a:lvl8pPr algn="l" defTabSz="457200" eaLnBrk="1" hangingPunct="1" latinLnBrk="0" marL="3200400" rtl="0">
+        <a:defRPr kern="1200" sz="1800">
           <a:solidFill>
             <a:schemeClr val="tx1"/>
           </a:solidFill>
@@ -3782,8 +3782,8 @@
           <a:cs typeface="+mn-cs"/>
         </a:defRPr>
       </a:lvl8pPr>
-      <a:lvl9pPr marL="3657600" algn="l" defTabSz="457200" rtl="0" eaLnBrk="1" latinLnBrk="0" hangingPunct="1">
-        <a:defRPr sz="1800" kern="1200">
+      <a:lvl9pPr algn="l" defTabSz="457200" eaLnBrk="1" hangingPunct="1" latinLnBrk="0" marL="3657600" rtl="0">
+        <a:defRPr kern="1200" sz="1800">
           <a:solidFill>
             <a:schemeClr val="tx1"/>
           </a:solidFill>
@@ -3816,7 +3816,7 @@
       </p:grpSpPr>
       <p:pic>
         <p:nvPicPr>
-          <p:cNvPr descr="lalune.jpg" id="0" name="Picture 1"/>
+          <p:cNvPr descr="fig:  lalune.jpg" id="0" name="Picture 1"/>
           <p:cNvPicPr>
             <a:picLocks noGrp="1" noChangeAspect="1"/>
           </p:cNvPicPr>
